--- a/slide flavour.pptx
+++ b/slide flavour.pptx
@@ -197,7 +197,8 @@
           <a:p>
             <a:fld id="{08B9D7D5-7225-4866-97EA-A816D67B0486}" type="datetimeFigureOut">
               <a:rPr lang="en-US" smtClean="0"/>
-              <a:t>8/2/2021</a:t>
+              <a:pPr/>
+              <a:t>8/17/2021</a:t>
             </a:fld>
             <a:endParaRPr lang="en-US"/>
           </a:p>
@@ -358,6 +359,7 @@
           <a:p>
             <a:fld id="{902FCB64-F01A-4119-A57E-6F620BBF0541}" type="slidenum">
               <a:rPr lang="en-US" smtClean="0"/>
+              <a:pPr/>
               <a:t>‹#›</a:t>
             </a:fld>
             <a:endParaRPr lang="en-US"/>
@@ -529,6 +531,7 @@
           <a:p>
             <a:fld id="{902FCB64-F01A-4119-A57E-6F620BBF0541}" type="slidenum">
               <a:rPr lang="en-US" smtClean="0"/>
+              <a:pPr/>
               <a:t>1</a:t>
             </a:fld>
             <a:endParaRPr lang="en-US"/>
@@ -711,7 +714,8 @@
           <a:p>
             <a:fld id="{48D220B8-5EF5-4FC1-8C85-4AE1E108D2DF}" type="datetimeFigureOut">
               <a:rPr lang="en-US" smtClean="0"/>
-              <a:t>8/2/2021</a:t>
+              <a:pPr/>
+              <a:t>8/17/2021</a:t>
             </a:fld>
             <a:endParaRPr lang="en-US"/>
           </a:p>
@@ -753,6 +757,7 @@
           <a:p>
             <a:fld id="{0D610B69-CC74-4917-9590-E991A2B3E89A}" type="slidenum">
               <a:rPr lang="en-US" smtClean="0"/>
+              <a:pPr/>
               <a:t>‹#›</a:t>
             </a:fld>
             <a:endParaRPr lang="en-US"/>
@@ -876,7 +881,8 @@
           <a:p>
             <a:fld id="{48D220B8-5EF5-4FC1-8C85-4AE1E108D2DF}" type="datetimeFigureOut">
               <a:rPr lang="en-US" smtClean="0"/>
-              <a:t>8/2/2021</a:t>
+              <a:pPr/>
+              <a:t>8/17/2021</a:t>
             </a:fld>
             <a:endParaRPr lang="en-US"/>
           </a:p>
@@ -918,6 +924,7 @@
           <a:p>
             <a:fld id="{0D610B69-CC74-4917-9590-E991A2B3E89A}" type="slidenum">
               <a:rPr lang="en-US" smtClean="0"/>
+              <a:pPr/>
               <a:t>‹#›</a:t>
             </a:fld>
             <a:endParaRPr lang="en-US"/>
@@ -1051,7 +1058,8 @@
           <a:p>
             <a:fld id="{48D220B8-5EF5-4FC1-8C85-4AE1E108D2DF}" type="datetimeFigureOut">
               <a:rPr lang="en-US" smtClean="0"/>
-              <a:t>8/2/2021</a:t>
+              <a:pPr/>
+              <a:t>8/17/2021</a:t>
             </a:fld>
             <a:endParaRPr lang="en-US"/>
           </a:p>
@@ -1093,6 +1101,7 @@
           <a:p>
             <a:fld id="{0D610B69-CC74-4917-9590-E991A2B3E89A}" type="slidenum">
               <a:rPr lang="en-US" smtClean="0"/>
+              <a:pPr/>
               <a:t>‹#›</a:t>
             </a:fld>
             <a:endParaRPr lang="en-US"/>
@@ -1216,7 +1225,8 @@
           <a:p>
             <a:fld id="{48D220B8-5EF5-4FC1-8C85-4AE1E108D2DF}" type="datetimeFigureOut">
               <a:rPr lang="en-US" smtClean="0"/>
-              <a:t>8/2/2021</a:t>
+              <a:pPr/>
+              <a:t>8/17/2021</a:t>
             </a:fld>
             <a:endParaRPr lang="en-US"/>
           </a:p>
@@ -1258,6 +1268,7 @@
           <a:p>
             <a:fld id="{0D610B69-CC74-4917-9590-E991A2B3E89A}" type="slidenum">
               <a:rPr lang="en-US" smtClean="0"/>
+              <a:pPr/>
               <a:t>‹#›</a:t>
             </a:fld>
             <a:endParaRPr lang="en-US"/>
@@ -1453,7 +1464,8 @@
           <a:p>
             <a:fld id="{48D220B8-5EF5-4FC1-8C85-4AE1E108D2DF}" type="datetimeFigureOut">
               <a:rPr lang="en-US" smtClean="0"/>
-              <a:t>8/2/2021</a:t>
+              <a:pPr/>
+              <a:t>8/17/2021</a:t>
             </a:fld>
             <a:endParaRPr lang="en-US"/>
           </a:p>
@@ -1495,6 +1507,7 @@
           <a:p>
             <a:fld id="{0D610B69-CC74-4917-9590-E991A2B3E89A}" type="slidenum">
               <a:rPr lang="en-US" smtClean="0"/>
+              <a:pPr/>
               <a:t>‹#›</a:t>
             </a:fld>
             <a:endParaRPr lang="en-US"/>
@@ -1717,7 +1730,8 @@
           <a:p>
             <a:fld id="{48D220B8-5EF5-4FC1-8C85-4AE1E108D2DF}" type="datetimeFigureOut">
               <a:rPr lang="en-US" smtClean="0"/>
-              <a:t>8/2/2021</a:t>
+              <a:pPr/>
+              <a:t>8/17/2021</a:t>
             </a:fld>
             <a:endParaRPr lang="en-US"/>
           </a:p>
@@ -1759,6 +1773,7 @@
           <a:p>
             <a:fld id="{0D610B69-CC74-4917-9590-E991A2B3E89A}" type="slidenum">
               <a:rPr lang="en-US" smtClean="0"/>
+              <a:pPr/>
               <a:t>‹#›</a:t>
             </a:fld>
             <a:endParaRPr lang="en-US"/>
@@ -2095,7 +2110,8 @@
           <a:p>
             <a:fld id="{48D220B8-5EF5-4FC1-8C85-4AE1E108D2DF}" type="datetimeFigureOut">
               <a:rPr lang="en-US" smtClean="0"/>
-              <a:t>8/2/2021</a:t>
+              <a:pPr/>
+              <a:t>8/17/2021</a:t>
             </a:fld>
             <a:endParaRPr lang="en-US"/>
           </a:p>
@@ -2137,6 +2153,7 @@
           <a:p>
             <a:fld id="{0D610B69-CC74-4917-9590-E991A2B3E89A}" type="slidenum">
               <a:rPr lang="en-US" smtClean="0"/>
+              <a:pPr/>
               <a:t>‹#›</a:t>
             </a:fld>
             <a:endParaRPr lang="en-US"/>
@@ -2245,7 +2262,8 @@
           <a:p>
             <a:fld id="{48D220B8-5EF5-4FC1-8C85-4AE1E108D2DF}" type="datetimeFigureOut">
               <a:rPr lang="en-US" smtClean="0"/>
-              <a:t>8/2/2021</a:t>
+              <a:pPr/>
+              <a:t>8/17/2021</a:t>
             </a:fld>
             <a:endParaRPr lang="en-US"/>
           </a:p>
@@ -2287,6 +2305,7 @@
           <a:p>
             <a:fld id="{0D610B69-CC74-4917-9590-E991A2B3E89A}" type="slidenum">
               <a:rPr lang="en-US" smtClean="0"/>
+              <a:pPr/>
               <a:t>‹#›</a:t>
             </a:fld>
             <a:endParaRPr lang="en-US"/>
@@ -2335,7 +2354,8 @@
           <a:p>
             <a:fld id="{48D220B8-5EF5-4FC1-8C85-4AE1E108D2DF}" type="datetimeFigureOut">
               <a:rPr lang="en-US" smtClean="0"/>
-              <a:t>8/2/2021</a:t>
+              <a:pPr/>
+              <a:t>8/17/2021</a:t>
             </a:fld>
             <a:endParaRPr lang="en-US"/>
           </a:p>
@@ -2377,6 +2397,7 @@
           <a:p>
             <a:fld id="{0D610B69-CC74-4917-9590-E991A2B3E89A}" type="slidenum">
               <a:rPr lang="en-US" smtClean="0"/>
+              <a:pPr/>
               <a:t>‹#›</a:t>
             </a:fld>
             <a:endParaRPr lang="en-US"/>
@@ -2596,7 +2617,8 @@
           <a:p>
             <a:fld id="{48D220B8-5EF5-4FC1-8C85-4AE1E108D2DF}" type="datetimeFigureOut">
               <a:rPr lang="en-US" smtClean="0"/>
-              <a:t>8/2/2021</a:t>
+              <a:pPr/>
+              <a:t>8/17/2021</a:t>
             </a:fld>
             <a:endParaRPr lang="en-US"/>
           </a:p>
@@ -2638,6 +2660,7 @@
           <a:p>
             <a:fld id="{0D610B69-CC74-4917-9590-E991A2B3E89A}" type="slidenum">
               <a:rPr lang="en-US" smtClean="0"/>
+              <a:pPr/>
               <a:t>‹#›</a:t>
             </a:fld>
             <a:endParaRPr lang="en-US"/>
@@ -2884,7 +2907,8 @@
           <a:p>
             <a:fld id="{48D220B8-5EF5-4FC1-8C85-4AE1E108D2DF}" type="datetimeFigureOut">
               <a:rPr lang="en-US" smtClean="0"/>
-              <a:t>8/2/2021</a:t>
+              <a:pPr/>
+              <a:t>8/17/2021</a:t>
             </a:fld>
             <a:endParaRPr lang="en-US"/>
           </a:p>
@@ -2931,6 +2955,7 @@
           <a:p>
             <a:fld id="{0D610B69-CC74-4917-9590-E991A2B3E89A}" type="slidenum">
               <a:rPr lang="en-US" smtClean="0"/>
+              <a:pPr/>
               <a:t>‹#›</a:t>
             </a:fld>
             <a:endParaRPr lang="en-US"/>
@@ -3678,7 +3703,8 @@
           <a:p>
             <a:fld id="{48D220B8-5EF5-4FC1-8C85-4AE1E108D2DF}" type="datetimeFigureOut">
               <a:rPr lang="en-US" smtClean="0"/>
-              <a:t>8/2/2021</a:t>
+              <a:pPr/>
+              <a:t>8/17/2021</a:t>
             </a:fld>
             <a:endParaRPr lang="en-US"/>
           </a:p>
@@ -3756,6 +3782,7 @@
           <a:p>
             <a:fld id="{0D610B69-CC74-4917-9590-E991A2B3E89A}" type="slidenum">
               <a:rPr lang="en-US" smtClean="0"/>
+              <a:pPr/>
               <a:t>‹#›</a:t>
             </a:fld>
             <a:endParaRPr lang="en-US"/>
@@ -4396,7 +4423,7 @@
           </a:p>
           <a:p>
             <a:r>
-              <a:rPr lang="en-US" b="1" dirty="0" smtClean="0">
+              <a:rPr lang="en-US" sz="1600" b="1" dirty="0" smtClean="0">
                 <a:solidFill>
                   <a:schemeClr val="bg1"/>
                 </a:solidFill>
@@ -4406,7 +4433,7 @@
               <a:t>Silvia </a:t>
             </a:r>
             <a:r>
-              <a:rPr lang="en-US" b="1" dirty="0" err="1" smtClean="0">
+              <a:rPr lang="en-US" sz="1600" b="1" dirty="0" err="1" smtClean="0">
                 <a:solidFill>
                   <a:schemeClr val="bg1"/>
                 </a:solidFill>
@@ -4415,7 +4442,17 @@
               </a:rPr>
               <a:t>mueni</a:t>
             </a:r>
-            <a:endParaRPr lang="en-US" b="1" dirty="0" smtClean="0">
+            <a:r>
+              <a:rPr lang="en-US" sz="1600" b="1" dirty="0" smtClean="0">
+                <a:solidFill>
+                  <a:schemeClr val="bg1"/>
+                </a:solidFill>
+                <a:latin typeface="Times New Roman" pitchFamily="18" charset="0"/>
+                <a:cs typeface="Times New Roman" pitchFamily="18" charset="0"/>
+              </a:rPr>
+              <a:t> dit-01-1374/2019</a:t>
+            </a:r>
+            <a:endParaRPr lang="en-US" sz="1600" b="1" dirty="0" smtClean="0">
               <a:solidFill>
                 <a:schemeClr val="bg1"/>
               </a:solidFill>
@@ -4425,7 +4462,7 @@
           </a:p>
           <a:p>
             <a:r>
-              <a:rPr lang="en-US" b="1" dirty="0" err="1" smtClean="0">
+              <a:rPr lang="en-US" sz="1600" b="1" dirty="0" err="1" smtClean="0">
                 <a:solidFill>
                   <a:schemeClr val="bg1"/>
                 </a:solidFill>
@@ -4435,7 +4472,7 @@
               <a:t>Peris</a:t>
             </a:r>
             <a:r>
-              <a:rPr lang="en-US" b="1" dirty="0" smtClean="0">
+              <a:rPr lang="en-US" sz="1600" b="1" dirty="0" smtClean="0">
                 <a:solidFill>
                   <a:schemeClr val="bg1"/>
                 </a:solidFill>
@@ -4445,7 +4482,7 @@
               <a:t> </a:t>
             </a:r>
             <a:r>
-              <a:rPr lang="en-US" b="1" dirty="0" err="1" smtClean="0">
+              <a:rPr lang="en-US" sz="1600" b="1" dirty="0" err="1" smtClean="0">
                 <a:solidFill>
                   <a:schemeClr val="bg1"/>
                 </a:solidFill>
@@ -4455,7 +4492,75 @@
               <a:t>wanyoike</a:t>
             </a:r>
             <a:r>
-              <a:rPr lang="en-US" b="1" dirty="0" smtClean="0">
+              <a:rPr lang="en-US" sz="1600" b="1" dirty="0" smtClean="0">
+                <a:solidFill>
+                  <a:schemeClr val="bg1"/>
+                </a:solidFill>
+                <a:latin typeface="Times New Roman" pitchFamily="18" charset="0"/>
+                <a:cs typeface="Times New Roman" pitchFamily="18" charset="0"/>
+              </a:rPr>
+              <a:t> dit-01-1323/2019 </a:t>
+            </a:r>
+            <a:endParaRPr lang="en-US" sz="1600" b="1" dirty="0" smtClean="0">
+              <a:solidFill>
+                <a:schemeClr val="bg1"/>
+              </a:solidFill>
+              <a:latin typeface="Times New Roman" pitchFamily="18" charset="0"/>
+              <a:cs typeface="Times New Roman" pitchFamily="18" charset="0"/>
+            </a:endParaRPr>
+          </a:p>
+          <a:p>
+            <a:r>
+              <a:rPr lang="en-US" sz="1600" b="1" dirty="0" smtClean="0">
+                <a:solidFill>
+                  <a:schemeClr val="bg1"/>
+                </a:solidFill>
+                <a:latin typeface="Times New Roman" pitchFamily="18" charset="0"/>
+                <a:cs typeface="Times New Roman" pitchFamily="18" charset="0"/>
+              </a:rPr>
+              <a:t>Kelvin </a:t>
+            </a:r>
+            <a:r>
+              <a:rPr lang="en-US" sz="1600" b="1" dirty="0" err="1" smtClean="0">
+                <a:solidFill>
+                  <a:schemeClr val="bg1"/>
+                </a:solidFill>
+                <a:latin typeface="Times New Roman" pitchFamily="18" charset="0"/>
+                <a:cs typeface="Times New Roman" pitchFamily="18" charset="0"/>
+              </a:rPr>
+              <a:t>munene</a:t>
+            </a:r>
+            <a:r>
+              <a:rPr lang="en-US" sz="1600" b="1" dirty="0" smtClean="0">
+                <a:solidFill>
+                  <a:schemeClr val="bg1"/>
+                </a:solidFill>
+                <a:latin typeface="Times New Roman" pitchFamily="18" charset="0"/>
+                <a:cs typeface="Times New Roman" pitchFamily="18" charset="0"/>
+              </a:rPr>
+              <a:t> dit-01-1303/2019</a:t>
+            </a:r>
+            <a:endParaRPr lang="en-US" sz="1600" b="1" dirty="0" smtClean="0">
+              <a:solidFill>
+                <a:schemeClr val="bg1"/>
+              </a:solidFill>
+              <a:latin typeface="Times New Roman" pitchFamily="18" charset="0"/>
+              <a:cs typeface="Times New Roman" pitchFamily="18" charset="0"/>
+            </a:endParaRPr>
+          </a:p>
+          <a:p>
+            <a:r>
+              <a:rPr lang="en-US" sz="1600" b="1" dirty="0" err="1" smtClean="0">
+                <a:solidFill>
+                  <a:schemeClr val="bg1"/>
+                </a:solidFill>
+                <a:latin typeface="Times New Roman" pitchFamily="18" charset="0"/>
+                <a:cs typeface="Times New Roman" pitchFamily="18" charset="0"/>
+              </a:rPr>
+              <a:t>Jecinta</a:t>
+            </a:r>
+            <a:r>
+              <a:rPr lang="en-US" sz="1600" b="1" dirty="0" smtClean="0">
                 <a:solidFill>
                   <a:schemeClr val="bg1"/>
                 </a:solidFill>
@@ -4464,59 +4569,8 @@
               </a:rPr>
               <a:t> </a:t>
             </a:r>
-          </a:p>
-          <a:p>
-            <a:r>
-              <a:rPr lang="en-US" b="1" dirty="0" smtClean="0">
-                <a:solidFill>
-                  <a:schemeClr val="bg1"/>
-                </a:solidFill>
-                <a:latin typeface="Times New Roman" pitchFamily="18" charset="0"/>
-                <a:cs typeface="Times New Roman" pitchFamily="18" charset="0"/>
-              </a:rPr>
-              <a:t>Kelvin </a:t>
-            </a:r>
-            <a:r>
-              <a:rPr lang="en-US" b="1" dirty="0" err="1" smtClean="0">
-                <a:solidFill>
-                  <a:schemeClr val="bg1"/>
-                </a:solidFill>
-                <a:latin typeface="Times New Roman" pitchFamily="18" charset="0"/>
-                <a:cs typeface="Times New Roman" pitchFamily="18" charset="0"/>
-              </a:rPr>
-              <a:t>munene</a:t>
-            </a:r>
-            <a:endParaRPr lang="en-US" b="1" dirty="0" smtClean="0">
-              <a:solidFill>
-                <a:schemeClr val="bg1"/>
-              </a:solidFill>
-              <a:latin typeface="Times New Roman" pitchFamily="18" charset="0"/>
-              <a:cs typeface="Times New Roman" pitchFamily="18" charset="0"/>
-            </a:endParaRPr>
-          </a:p>
-          <a:p>
-            <a:r>
-              <a:rPr lang="en-US" b="1" dirty="0" err="1" smtClean="0">
-                <a:solidFill>
-                  <a:schemeClr val="bg1"/>
-                </a:solidFill>
-                <a:latin typeface="Times New Roman" pitchFamily="18" charset="0"/>
-                <a:cs typeface="Times New Roman" pitchFamily="18" charset="0"/>
-              </a:rPr>
-              <a:t>Jecinta</a:t>
-            </a:r>
-            <a:r>
-              <a:rPr lang="en-US" b="1" dirty="0" smtClean="0">
-                <a:solidFill>
-                  <a:schemeClr val="bg1"/>
-                </a:solidFill>
-                <a:latin typeface="Times New Roman" pitchFamily="18" charset="0"/>
-                <a:cs typeface="Times New Roman" pitchFamily="18" charset="0"/>
-              </a:rPr>
-              <a:t> </a:t>
-            </a:r>
-            <a:r>
-              <a:rPr lang="en-US" b="1" dirty="0" err="1" smtClean="0">
+            <a:r>
+              <a:rPr lang="en-US" sz="1600" b="1" dirty="0" err="1" smtClean="0">
                 <a:solidFill>
                   <a:schemeClr val="bg1"/>
                 </a:solidFill>
@@ -4526,16 +4580,16 @@
               <a:t>ithagi</a:t>
             </a:r>
             <a:r>
-              <a:rPr lang="en-US" b="1" dirty="0" smtClean="0">
+              <a:rPr lang="en-US" sz="1600" b="1" dirty="0" smtClean="0">
                 <a:solidFill>
                   <a:schemeClr val="bg1"/>
                 </a:solidFill>
                 <a:latin typeface="Times New Roman" pitchFamily="18" charset="0"/>
                 <a:cs typeface="Times New Roman" pitchFamily="18" charset="0"/>
               </a:rPr>
-              <a:t> </a:t>
-            </a:r>
-            <a:endParaRPr lang="en-US" b="1" dirty="0">
+              <a:t> dit-10-1328/2019 </a:t>
+            </a:r>
+            <a:endParaRPr lang="en-US" sz="1600" b="1" dirty="0">
               <a:solidFill>
                 <a:schemeClr val="bg1"/>
               </a:solidFill>
